--- a/GreekMythology_Presentation.pptx
+++ b/GreekMythology_Presentation.pptx
@@ -110,6 +110,11 @@
       </a:defRPr>
     </a:lvl9pPr>
   </p:defaultTextStyle>
+  <p:extLst>
+    <p:ext uri="{EFAFB233-063F-42B5-8137-9DF3F51BA10A}">
+      <p15:sldGuideLst xmlns:p15="http://schemas.microsoft.com/office/powerpoint/2012/main"/>
+    </p:ext>
+  </p:extLst>
 </p:presentation>
 </file>
 
@@ -309,7 +314,7 @@
           <a:p>
             <a:fld id="{EA0C0817-A112-4847-8014-A94B7D2A4EA3}" type="datetime1">
               <a:rPr lang="en-US" smtClean="0"/>
-              <a:t>11/25/2021</a:t>
+              <a:t>12/2/2021</a:t>
             </a:fld>
             <a:endParaRPr lang="en-US" dirty="0"/>
           </a:p>
@@ -530,7 +535,7 @@
           <a:p>
             <a:fld id="{134F40B7-36AB-4376-BE14-EF7004D79BB9}" type="datetime1">
               <a:rPr lang="en-US" smtClean="0"/>
-              <a:t>11/25/2021</a:t>
+              <a:t>12/2/2021</a:t>
             </a:fld>
             <a:endParaRPr lang="en-US"/>
           </a:p>
@@ -710,7 +715,7 @@
           <a:p>
             <a:fld id="{FF87CAB8-DCAE-46A5-AADA-B3FAD11A54E0}" type="datetime1">
               <a:rPr lang="en-US" smtClean="0"/>
-              <a:t>11/25/2021</a:t>
+              <a:t>12/2/2021</a:t>
             </a:fld>
             <a:endParaRPr lang="en-US"/>
           </a:p>
@@ -880,7 +885,7 @@
           <a:p>
             <a:fld id="{7332B432-ACDA-4023-A761-2BAB76577B62}" type="datetime1">
               <a:rPr lang="en-US" smtClean="0"/>
-              <a:t>11/25/2021</a:t>
+              <a:t>12/2/2021</a:t>
             </a:fld>
             <a:endParaRPr lang="en-US"/>
           </a:p>
@@ -1131,7 +1136,7 @@
           <a:p>
             <a:fld id="{D9C646AA-F36E-4540-911D-FFFC0A0EF24A}" type="datetime1">
               <a:rPr lang="en-US" smtClean="0"/>
-              <a:t>11/25/2021</a:t>
+              <a:t>12/2/2021</a:t>
             </a:fld>
             <a:endParaRPr lang="en-US" dirty="0"/>
           </a:p>
@@ -1454,7 +1459,7 @@
           <a:p>
             <a:fld id="{69186D26-FA5F-4637-B602-B7C2DC34CFD4}" type="datetime1">
               <a:rPr lang="en-US" smtClean="0"/>
-              <a:t>11/25/2021</a:t>
+              <a:t>12/2/2021</a:t>
             </a:fld>
             <a:endParaRPr lang="en-US"/>
           </a:p>
@@ -1878,7 +1883,7 @@
           <a:p>
             <a:fld id="{8A7F15D8-96D1-4781-BC50-CA8A088B2FE4}" type="datetime1">
               <a:rPr lang="en-US" smtClean="0"/>
-              <a:t>11/25/2021</a:t>
+              <a:t>12/2/2021</a:t>
             </a:fld>
             <a:endParaRPr lang="en-US"/>
           </a:p>
@@ -1996,7 +2001,7 @@
           <a:p>
             <a:fld id="{F9A96C99-B8F8-4528-BD05-0E16E943DC09}" type="datetime1">
               <a:rPr lang="en-US" smtClean="0"/>
-              <a:t>11/25/2021</a:t>
+              <a:t>12/2/2021</a:t>
             </a:fld>
             <a:endParaRPr lang="en-US"/>
           </a:p>
@@ -2091,7 +2096,7 @@
           <a:p>
             <a:fld id="{03636942-C211-4B28-8DBD-C953E00AF71B}" type="datetime1">
               <a:rPr lang="en-US" smtClean="0"/>
-              <a:t>11/25/2021</a:t>
+              <a:t>12/2/2021</a:t>
             </a:fld>
             <a:endParaRPr lang="en-US"/>
           </a:p>
@@ -2381,7 +2386,7 @@
           <a:p>
             <a:fld id="{7E8D12A6-918A-48BD-8CB9-CA713993B0EA}" type="datetime1">
               <a:rPr lang="en-US" smtClean="0"/>
-              <a:t>11/25/2021</a:t>
+              <a:t>12/2/2021</a:t>
             </a:fld>
             <a:endParaRPr lang="en-US"/>
           </a:p>
@@ -2654,7 +2659,7 @@
             <a:fld id="{E778CE86-875F-4587-BCF6-FA054AFC0D53}" type="datetime1">
               <a:rPr lang="en-US" smtClean="0"/>
               <a:pPr/>
-              <a:t>11/25/2021</a:t>
+              <a:t>12/2/2021</a:t>
             </a:fld>
             <a:endParaRPr lang="en-US" dirty="0"/>
           </a:p>
@@ -2909,7 +2914,7 @@
           <a:p>
             <a:fld id="{F6FA2B21-3FCD-4721-B95C-427943F61125}" type="datetime1">
               <a:rPr lang="en-US" smtClean="0"/>
-              <a:t>11/25/2021</a:t>
+              <a:t>12/2/2021</a:t>
             </a:fld>
             <a:endParaRPr lang="en-US"/>
           </a:p>
@@ -3715,7 +3720,22 @@
           <a:bodyPr/>
           <a:lstStyle/>
           <a:p>
-            <a:endParaRPr lang="en-CA"/>
+            <a:r>
+              <a:rPr lang="en-CA" dirty="0"/>
+              <a:t>Create a NoSQL Mongo Database of Greek mythology characters and which lines their names occur in the Argonautica.</a:t>
+            </a:r>
+          </a:p>
+          <a:p>
+            <a:r>
+              <a:rPr lang="en-CA" dirty="0"/>
+              <a:t>Make use of some tools learnt this semester.</a:t>
+            </a:r>
+          </a:p>
+          <a:p>
+            <a:r>
+              <a:rPr lang="en-CA" dirty="0"/>
+              <a:t>Help Greek mythology fans gain easily access to character content 	</a:t>
+            </a:r>
           </a:p>
         </p:txBody>
       </p:sp>
@@ -3798,7 +3818,51 @@
           <a:bodyPr/>
           <a:lstStyle/>
           <a:p>
-            <a:endParaRPr lang="en-CA"/>
+            <a:r>
+              <a:rPr lang="en-CA" dirty="0"/>
+              <a:t>Bash</a:t>
+            </a:r>
+          </a:p>
+          <a:p>
+            <a:r>
+              <a:rPr lang="en-CA" dirty="0" err="1"/>
+              <a:t>Wget</a:t>
+            </a:r>
+            <a:endParaRPr lang="en-CA" dirty="0"/>
+          </a:p>
+          <a:p>
+            <a:r>
+              <a:rPr lang="en-CA" dirty="0" err="1"/>
+              <a:t>Gunzip</a:t>
+            </a:r>
+            <a:endParaRPr lang="en-CA" dirty="0"/>
+          </a:p>
+          <a:p>
+            <a:r>
+              <a:rPr lang="en-CA" dirty="0"/>
+              <a:t>Awk</a:t>
+            </a:r>
+          </a:p>
+          <a:p>
+            <a:r>
+              <a:rPr lang="en-CA" dirty="0"/>
+              <a:t>Sed</a:t>
+            </a:r>
+          </a:p>
+          <a:p>
+            <a:r>
+              <a:rPr lang="en-CA" dirty="0"/>
+              <a:t>Grep</a:t>
+            </a:r>
+          </a:p>
+          <a:p>
+            <a:r>
+              <a:rPr lang="en-CA" dirty="0"/>
+              <a:t>Mongo</a:t>
+            </a:r>
+          </a:p>
+          <a:p>
+            <a:endParaRPr lang="en-CA" dirty="0"/>
           </a:p>
         </p:txBody>
       </p:sp>
@@ -3881,7 +3945,72 @@
           <a:bodyPr/>
           <a:lstStyle/>
           <a:p>
-            <a:endParaRPr lang="en-CA"/>
+            <a:r>
+              <a:rPr lang="en-CA" dirty="0"/>
+              <a:t>Obtain the Argonautica zip file from project </a:t>
+            </a:r>
+            <a:r>
+              <a:rPr lang="en-CA" dirty="0" err="1"/>
+              <a:t>Gutengberg</a:t>
+            </a:r>
+            <a:r>
+              <a:rPr lang="en-CA" dirty="0"/>
+              <a:t>.</a:t>
+            </a:r>
+          </a:p>
+          <a:p>
+            <a:r>
+              <a:rPr lang="en-CA" dirty="0"/>
+              <a:t>Unzip the zipped file with </a:t>
+            </a:r>
+            <a:r>
+              <a:rPr lang="en-CA" dirty="0" err="1"/>
+              <a:t>gunzip</a:t>
+            </a:r>
+            <a:r>
+              <a:rPr lang="en-CA" dirty="0"/>
+              <a:t>.</a:t>
+            </a:r>
+          </a:p>
+          <a:p>
+            <a:r>
+              <a:rPr lang="en-CA" dirty="0"/>
+              <a:t>Using sed, Extract the Story content from the original text into a separate temporary file.</a:t>
+            </a:r>
+          </a:p>
+          <a:p>
+            <a:r>
+              <a:rPr lang="en-CA" dirty="0"/>
+              <a:t>Extract  character names using Awk and create respective temporal files using </a:t>
+            </a:r>
+            <a:r>
+              <a:rPr lang="en-CA" dirty="0" err="1"/>
+              <a:t>xargs</a:t>
+            </a:r>
+            <a:r>
+              <a:rPr lang="en-CA" dirty="0"/>
+              <a:t> and the touch command.</a:t>
+            </a:r>
+          </a:p>
+          <a:p>
+            <a:r>
+              <a:rPr lang="en-CA" dirty="0"/>
+              <a:t>Obtain the corresponding lines for each character and place it in a prepared Mongo insert statement and pipe it into a characters </a:t>
+            </a:r>
+            <a:r>
+              <a:rPr lang="en-CA" dirty="0" err="1"/>
+              <a:t>Javascript</a:t>
+            </a:r>
+            <a:r>
+              <a:rPr lang="en-CA" dirty="0"/>
+              <a:t> file</a:t>
+            </a:r>
+          </a:p>
+          <a:p>
+            <a:r>
+              <a:rPr lang="en-CA" dirty="0"/>
+              <a:t>Run Mongo and insert the character.js file to run all insert commands.</a:t>
+            </a:r>
           </a:p>
         </p:txBody>
       </p:sp>
@@ -3938,7 +4067,7 @@
           <a:p>
             <a:r>
               <a:rPr lang="en-CA" dirty="0"/>
-              <a:t>Results</a:t>
+              <a:t>Sample Query &amp; Results</a:t>
             </a:r>
           </a:p>
         </p:txBody>
@@ -4047,7 +4176,27 @@
           <a:bodyPr/>
           <a:lstStyle/>
           <a:p>
-            <a:endParaRPr lang="en-CA"/>
+            <a:r>
+              <a:rPr lang="en-CA" dirty="0"/>
+              <a:t>Time played a major role in the volume of data each Greek character possesses in this database.</a:t>
+            </a:r>
+          </a:p>
+          <a:p>
+            <a:r>
+              <a:rPr lang="en-CA" dirty="0"/>
+              <a:t>The odd phenomenon of duplicate inserts from the Mongo database is an unresolved minor issue since the data is not very large.</a:t>
+            </a:r>
+          </a:p>
+          <a:p>
+            <a:r>
+              <a:rPr lang="en-CA" dirty="0"/>
+              <a:t>Mastery of the various technologies being used for </a:t>
+            </a:r>
+            <a:r>
+              <a:rPr lang="en-CA"/>
+              <a:t>this project.</a:t>
+            </a:r>
+            <a:endParaRPr lang="en-CA" dirty="0"/>
           </a:p>
         </p:txBody>
       </p:sp>
